--- a/posters/lwda-2020.pptx
+++ b/posters/lwda-2020.pptx
@@ -239,7 +239,7 @@
           </a:bodyPr>
           <a:p>
             <a:pPr algn="r"/>
-            <a:fld id="{9E70EE88-4AC0-42DF-9674-EE99D6C3BFD9}" type="slidenum">
+            <a:fld id="{2EAA4363-3173-4E24-BBC7-F0EB3D86C742}" type="slidenum">
               <a:rPr b="0" lang="de-DE" sz="1400" spc="-1" strike="noStrike">
                 <a:latin typeface="Times New Roman"/>
               </a:rPr>
@@ -509,7 +509,7 @@
                 <a:spcPct val="100000"/>
               </a:lnSpc>
             </a:pPr>
-            <a:fld id="{846359C2-EDBB-4B57-BDA9-C263742232A7}" type="slidenum">
+            <a:fld id="{EBBB2AB2-6D48-47F0-A7B6-699D076E9478}" type="slidenum">
               <a:rPr b="0" lang="de-DE" sz="1200" spc="-1" strike="noStrike">
                 <a:latin typeface="Times New Roman"/>
               </a:rPr>
@@ -2147,7 +2147,7 @@
     <p:bg>
       <p:bgPr>
         <a:solidFill>
-          <a:srgbClr val="262626"/>
+          <a:srgbClr val="1f456c"/>
         </a:solidFill>
       </p:bgPr>
     </p:bg>
@@ -3553,7 +3553,7 @@
         <p:spPr>
           <a:xfrm>
             <a:off x="1328400" y="720000"/>
-            <a:ext cx="10479600" cy="3473640"/>
+            <a:ext cx="10479600" cy="3777480"/>
           </a:xfrm>
           <a:prstGeom prst="rect">
             <a:avLst/>
@@ -3580,16 +3580,16 @@
               </a:lnSpc>
             </a:pPr>
             <a:r>
-              <a:rPr b="1" i="1" lang="de-DE" sz="6000" spc="-1" strike="noStrike">
-                <a:solidFill>
-                  <a:srgbClr val="000000"/>
-                </a:solidFill>
-                <a:latin typeface="Lato"/>
+              <a:rPr b="0" lang="de-DE" sz="8000" spc="-1" strike="noStrike">
+                <a:solidFill>
+                  <a:srgbClr val="3465a4"/>
+                </a:solidFill>
+                <a:latin typeface="Lato black"/>
                 <a:ea typeface="DejaVu Sans"/>
               </a:rPr>
               <a:t>OptiSparql</a:t>
             </a:r>
-            <a:endParaRPr b="0" lang="de-DE" sz="6000" spc="-1" strike="noStrike">
+            <a:endParaRPr b="0" lang="de-DE" sz="8000" spc="-1" strike="noStrike">
               <a:latin typeface="Arial"/>
             </a:endParaRPr>
           </a:p>
@@ -3982,8 +3982,8 @@
         </p:blipFill>
         <p:spPr>
           <a:xfrm>
-            <a:off x="15171480" y="26280000"/>
-            <a:ext cx="6988680" cy="5903640"/>
+            <a:off x="47901240" y="29507040"/>
+            <a:ext cx="2498760" cy="1956600"/>
           </a:xfrm>
           <a:prstGeom prst="rect">
             <a:avLst/>
@@ -4005,8 +4005,8 @@
         </p:blipFill>
         <p:spPr>
           <a:xfrm>
-            <a:off x="47901240" y="29507040"/>
-            <a:ext cx="2498760" cy="1956600"/>
+            <a:off x="50533200" y="29629800"/>
+            <a:ext cx="2170800" cy="1833840"/>
           </a:xfrm>
           <a:prstGeom prst="rect">
             <a:avLst/>
@@ -4028,8 +4028,8 @@
         </p:blipFill>
         <p:spPr>
           <a:xfrm>
-            <a:off x="50533200" y="29629800"/>
-            <a:ext cx="2170800" cy="1833840"/>
+            <a:off x="46856880" y="1656000"/>
+            <a:ext cx="11596320" cy="1152000"/>
           </a:xfrm>
           <a:prstGeom prst="rect">
             <a:avLst/>
@@ -4051,8 +4051,8 @@
         </p:blipFill>
         <p:spPr>
           <a:xfrm>
-            <a:off x="46856880" y="1656000"/>
-            <a:ext cx="11596320" cy="1152000"/>
+            <a:off x="47016000" y="4953240"/>
+            <a:ext cx="11121840" cy="10382760"/>
           </a:xfrm>
           <a:prstGeom prst="rect">
             <a:avLst/>
@@ -4074,8 +4074,8 @@
         </p:blipFill>
         <p:spPr>
           <a:xfrm>
-            <a:off x="47016000" y="4953240"/>
-            <a:ext cx="11121840" cy="10382760"/>
+            <a:off x="47089440" y="18720000"/>
+            <a:ext cx="11158560" cy="6768000"/>
           </a:xfrm>
           <a:prstGeom prst="rect">
             <a:avLst/>
@@ -4085,9 +4085,177 @@
           </a:ln>
         </p:spPr>
       </p:pic>
+      <p:sp>
+        <p:nvSpPr>
+          <p:cNvPr id="63" name="TextShape 14"/>
+          <p:cNvSpPr txBox="1"/>
+          <p:nvPr/>
+        </p:nvSpPr>
+        <p:spPr>
+          <a:xfrm>
+            <a:off x="47016000" y="648000"/>
+            <a:ext cx="10512000" cy="853920"/>
+          </a:xfrm>
+          <a:prstGeom prst="rect">
+            <a:avLst/>
+          </a:prstGeom>
+          <a:noFill/>
+          <a:ln>
+            <a:noFill/>
+          </a:ln>
+        </p:spPr>
+        <p:txBody>
+          <a:bodyPr lIns="90000" rIns="90000" tIns="45000" bIns="45000">
+            <a:spAutoFit/>
+          </a:bodyPr>
+          <a:p>
+            <a:r>
+              <a:rPr b="0" lang="de-DE" sz="6000" spc="-1" strike="noStrike">
+                <a:solidFill>
+                  <a:srgbClr val="000000"/>
+                </a:solidFill>
+                <a:latin typeface="Lato black"/>
+              </a:rPr>
+              <a:t>Examples</a:t>
+            </a:r>
+            <a:endParaRPr b="0" lang="de-DE" sz="6000" spc="-1" strike="noStrike">
+              <a:solidFill>
+                <a:srgbClr val="000000"/>
+              </a:solidFill>
+              <a:latin typeface="Lato black"/>
+            </a:endParaRPr>
+          </a:p>
+        </p:txBody>
+      </p:sp>
+      <p:sp>
+        <p:nvSpPr>
+          <p:cNvPr id="64" name="TextShape 15"/>
+          <p:cNvSpPr txBox="1"/>
+          <p:nvPr/>
+        </p:nvSpPr>
+        <p:spPr>
+          <a:xfrm>
+            <a:off x="47016000" y="3002040"/>
+            <a:ext cx="10656000" cy="597960"/>
+          </a:xfrm>
+          <a:prstGeom prst="rect">
+            <a:avLst/>
+          </a:prstGeom>
+          <a:noFill/>
+          <a:ln>
+            <a:noFill/>
+          </a:ln>
+        </p:spPr>
+        <p:txBody>
+          <a:bodyPr lIns="90000" rIns="90000" tIns="45000" bIns="45000">
+            <a:spAutoFit/>
+          </a:bodyPr>
+          <a:p>
+            <a:r>
+              <a:rPr b="0" lang="de-DE" sz="4000" spc="-1" strike="noStrike">
+                <a:solidFill>
+                  <a:srgbClr val="000000"/>
+                </a:solidFill>
+                <a:latin typeface="Lato"/>
+              </a:rPr>
+              <a:t>Minimal example of our framework</a:t>
+            </a:r>
+            <a:endParaRPr b="0" lang="de-DE" sz="4000" spc="-1" strike="noStrike">
+              <a:solidFill>
+                <a:srgbClr val="000000"/>
+              </a:solidFill>
+              <a:latin typeface="Lato"/>
+            </a:endParaRPr>
+          </a:p>
+        </p:txBody>
+      </p:sp>
+      <p:sp>
+        <p:nvSpPr>
+          <p:cNvPr id="65" name="TextShape 16"/>
+          <p:cNvSpPr txBox="1"/>
+          <p:nvPr/>
+        </p:nvSpPr>
+        <p:spPr>
+          <a:xfrm>
+            <a:off x="47088000" y="15768000"/>
+            <a:ext cx="10512000" cy="597960"/>
+          </a:xfrm>
+          <a:prstGeom prst="rect">
+            <a:avLst/>
+          </a:prstGeom>
+          <a:noFill/>
+          <a:ln>
+            <a:noFill/>
+          </a:ln>
+        </p:spPr>
+        <p:txBody>
+          <a:bodyPr lIns="90000" rIns="90000" tIns="45000" bIns="45000">
+            <a:spAutoFit/>
+          </a:bodyPr>
+          <a:p>
+            <a:r>
+              <a:rPr b="0" lang="de-DE" sz="4000" spc="-1" strike="noStrike">
+                <a:solidFill>
+                  <a:srgbClr val="000000"/>
+                </a:solidFill>
+                <a:latin typeface="Lato"/>
+              </a:rPr>
+              <a:t>Dependencies prior to our revision</a:t>
+            </a:r>
+            <a:endParaRPr b="0" lang="de-DE" sz="4000" spc="-1" strike="noStrike">
+              <a:solidFill>
+                <a:srgbClr val="000000"/>
+              </a:solidFill>
+              <a:latin typeface="Lato"/>
+            </a:endParaRPr>
+          </a:p>
+        </p:txBody>
+      </p:sp>
+      <p:sp>
+        <p:nvSpPr>
+          <p:cNvPr id="66" name="TextShape 17"/>
+          <p:cNvSpPr txBox="1"/>
+          <p:nvPr/>
+        </p:nvSpPr>
+        <p:spPr>
+          <a:xfrm>
+            <a:off x="47099880" y="25821360"/>
+            <a:ext cx="10150560" cy="597960"/>
+          </a:xfrm>
+          <a:prstGeom prst="rect">
+            <a:avLst/>
+          </a:prstGeom>
+          <a:noFill/>
+          <a:ln>
+            <a:noFill/>
+          </a:ln>
+        </p:spPr>
+        <p:txBody>
+          <a:bodyPr lIns="90000" rIns="90000" tIns="45000" bIns="45000">
+            <a:spAutoFit/>
+          </a:bodyPr>
+          <a:p>
+            <a:r>
+              <a:rPr b="0" lang="de-DE" sz="4000" spc="-1" strike="noStrike">
+                <a:solidFill>
+                  <a:srgbClr val="000000"/>
+                </a:solidFill>
+                <a:latin typeface="Lato"/>
+              </a:rPr>
+              <a:t>Dependencies after our revision</a:t>
+            </a:r>
+            <a:endParaRPr b="0" lang="de-DE" sz="4000" spc="-1" strike="noStrike">
+              <a:solidFill>
+                <a:srgbClr val="000000"/>
+              </a:solidFill>
+              <a:latin typeface="Lato"/>
+            </a:endParaRPr>
+          </a:p>
+        </p:txBody>
+      </p:sp>
       <p:pic>
         <p:nvPicPr>
-          <p:cNvPr id="63" name="" descr=""/>
+          <p:cNvPr id="67" name="" descr=""/>
           <p:cNvPicPr/>
           <p:nvPr/>
         </p:nvPicPr>
@@ -4097,8 +4265,8 @@
         </p:blipFill>
         <p:spPr>
           <a:xfrm>
-            <a:off x="47089440" y="18720000"/>
-            <a:ext cx="11158560" cy="6768000"/>
+            <a:off x="15264000" y="25992000"/>
+            <a:ext cx="5904000" cy="5904000"/>
           </a:xfrm>
           <a:prstGeom prst="rect">
             <a:avLst/>
@@ -4108,174 +4276,6 @@
           </a:ln>
         </p:spPr>
       </p:pic>
-      <p:sp>
-        <p:nvSpPr>
-          <p:cNvPr id="64" name="TextShape 14"/>
-          <p:cNvSpPr txBox="1"/>
-          <p:nvPr/>
-        </p:nvSpPr>
-        <p:spPr>
-          <a:xfrm>
-            <a:off x="47016000" y="648000"/>
-            <a:ext cx="10512000" cy="853920"/>
-          </a:xfrm>
-          <a:prstGeom prst="rect">
-            <a:avLst/>
-          </a:prstGeom>
-          <a:noFill/>
-          <a:ln>
-            <a:noFill/>
-          </a:ln>
-        </p:spPr>
-        <p:txBody>
-          <a:bodyPr lIns="90000" rIns="90000" tIns="45000" bIns="45000">
-            <a:spAutoFit/>
-          </a:bodyPr>
-          <a:p>
-            <a:r>
-              <a:rPr b="0" lang="de-DE" sz="6000" spc="-1" strike="noStrike">
-                <a:solidFill>
-                  <a:srgbClr val="000000"/>
-                </a:solidFill>
-                <a:latin typeface="Lato black"/>
-              </a:rPr>
-              <a:t>Examples</a:t>
-            </a:r>
-            <a:endParaRPr b="0" lang="de-DE" sz="6000" spc="-1" strike="noStrike">
-              <a:solidFill>
-                <a:srgbClr val="000000"/>
-              </a:solidFill>
-              <a:latin typeface="Lato black"/>
-            </a:endParaRPr>
-          </a:p>
-        </p:txBody>
-      </p:sp>
-      <p:sp>
-        <p:nvSpPr>
-          <p:cNvPr id="65" name="TextShape 15"/>
-          <p:cNvSpPr txBox="1"/>
-          <p:nvPr/>
-        </p:nvSpPr>
-        <p:spPr>
-          <a:xfrm>
-            <a:off x="47016000" y="3002040"/>
-            <a:ext cx="10656000" cy="597960"/>
-          </a:xfrm>
-          <a:prstGeom prst="rect">
-            <a:avLst/>
-          </a:prstGeom>
-          <a:noFill/>
-          <a:ln>
-            <a:noFill/>
-          </a:ln>
-        </p:spPr>
-        <p:txBody>
-          <a:bodyPr lIns="90000" rIns="90000" tIns="45000" bIns="45000">
-            <a:spAutoFit/>
-          </a:bodyPr>
-          <a:p>
-            <a:r>
-              <a:rPr b="0" lang="de-DE" sz="4000" spc="-1" strike="noStrike">
-                <a:solidFill>
-                  <a:srgbClr val="000000"/>
-                </a:solidFill>
-                <a:latin typeface="Lato"/>
-              </a:rPr>
-              <a:t>Minimal example of our framework</a:t>
-            </a:r>
-            <a:endParaRPr b="0" lang="de-DE" sz="4000" spc="-1" strike="noStrike">
-              <a:solidFill>
-                <a:srgbClr val="000000"/>
-              </a:solidFill>
-              <a:latin typeface="Lato"/>
-            </a:endParaRPr>
-          </a:p>
-        </p:txBody>
-      </p:sp>
-      <p:sp>
-        <p:nvSpPr>
-          <p:cNvPr id="66" name="TextShape 16"/>
-          <p:cNvSpPr txBox="1"/>
-          <p:nvPr/>
-        </p:nvSpPr>
-        <p:spPr>
-          <a:xfrm>
-            <a:off x="47088000" y="15768000"/>
-            <a:ext cx="10512000" cy="597960"/>
-          </a:xfrm>
-          <a:prstGeom prst="rect">
-            <a:avLst/>
-          </a:prstGeom>
-          <a:noFill/>
-          <a:ln>
-            <a:noFill/>
-          </a:ln>
-        </p:spPr>
-        <p:txBody>
-          <a:bodyPr lIns="90000" rIns="90000" tIns="45000" bIns="45000">
-            <a:spAutoFit/>
-          </a:bodyPr>
-          <a:p>
-            <a:r>
-              <a:rPr b="0" lang="de-DE" sz="4000" spc="-1" strike="noStrike">
-                <a:solidFill>
-                  <a:srgbClr val="000000"/>
-                </a:solidFill>
-                <a:latin typeface="Lato"/>
-              </a:rPr>
-              <a:t>Dependencies prior to our revision</a:t>
-            </a:r>
-            <a:endParaRPr b="0" lang="de-DE" sz="4000" spc="-1" strike="noStrike">
-              <a:solidFill>
-                <a:srgbClr val="000000"/>
-              </a:solidFill>
-              <a:latin typeface="Lato"/>
-            </a:endParaRPr>
-          </a:p>
-        </p:txBody>
-      </p:sp>
-      <p:sp>
-        <p:nvSpPr>
-          <p:cNvPr id="67" name="TextShape 17"/>
-          <p:cNvSpPr txBox="1"/>
-          <p:nvPr/>
-        </p:nvSpPr>
-        <p:spPr>
-          <a:xfrm>
-            <a:off x="47099880" y="25821360"/>
-            <a:ext cx="10150560" cy="597960"/>
-          </a:xfrm>
-          <a:prstGeom prst="rect">
-            <a:avLst/>
-          </a:prstGeom>
-          <a:noFill/>
-          <a:ln>
-            <a:noFill/>
-          </a:ln>
-        </p:spPr>
-        <p:txBody>
-          <a:bodyPr lIns="90000" rIns="90000" tIns="45000" bIns="45000">
-            <a:spAutoFit/>
-          </a:bodyPr>
-          <a:p>
-            <a:r>
-              <a:rPr b="0" lang="de-DE" sz="4000" spc="-1" strike="noStrike">
-                <a:solidFill>
-                  <a:srgbClr val="000000"/>
-                </a:solidFill>
-                <a:latin typeface="Lato"/>
-              </a:rPr>
-              <a:t>Dependencies after our revision</a:t>
-            </a:r>
-            <a:endParaRPr b="0" lang="de-DE" sz="4000" spc="-1" strike="noStrike">
-              <a:solidFill>
-                <a:srgbClr val="000000"/>
-              </a:solidFill>
-              <a:latin typeface="Lato"/>
-            </a:endParaRPr>
-          </a:p>
-        </p:txBody>
-      </p:sp>
     </p:spTree>
   </p:cSld>
   <mc:AlternateContent>

--- a/posters/lwda-2020.pptx
+++ b/posters/lwda-2020.pptx
@@ -239,7 +239,7 @@
           </a:bodyPr>
           <a:p>
             <a:pPr algn="r"/>
-            <a:fld id="{2EAA4363-3173-4E24-BBC7-F0EB3D86C742}" type="slidenum">
+            <a:fld id="{A0AFFF30-09B3-43B9-AB1D-365CBD9EF02E}" type="slidenum">
               <a:rPr b="0" lang="de-DE" sz="1400" spc="-1" strike="noStrike">
                 <a:latin typeface="Times New Roman"/>
               </a:rPr>
@@ -509,7 +509,7 @@
                 <a:spcPct val="100000"/>
               </a:lnSpc>
             </a:pPr>
-            <a:fld id="{EBBB2AB2-6D48-47F0-A7B6-699D076E9478}" type="slidenum">
+            <a:fld id="{3DBDAA6E-20CB-43EF-9DF5-006537CF38A7}" type="slidenum">
               <a:rPr b="0" lang="de-DE" sz="1200" spc="-1" strike="noStrike">
                 <a:latin typeface="Times New Roman"/>
               </a:rPr>
@@ -2387,7 +2387,7 @@
         <p:spPr>
           <a:xfrm>
             <a:off x="1195920" y="5688000"/>
-            <a:ext cx="11980080" cy="29336400"/>
+            <a:ext cx="11980080" cy="30067560"/>
           </a:xfrm>
           <a:prstGeom prst="rect">
             <a:avLst/>
@@ -3016,7 +3016,47 @@
                 <a:latin typeface="Lato"/>
                 <a:ea typeface="DejaVu Sans"/>
               </a:rPr>
-              <a:t>Preferences deliver results somewhere between conjunctions and OPTIONAL patterns</a:t>
+              <a:t>Preferences deliver results somewhere </a:t>
+            </a:r>
+            <a:r>
+              <a:rPr b="1" lang="de-DE" sz="4000" spc="-1" strike="noStrike">
+                <a:solidFill>
+                  <a:srgbClr val="000000"/>
+                </a:solidFill>
+                <a:latin typeface="Lato"/>
+                <a:ea typeface="DejaVu Sans"/>
+              </a:rPr>
+              <a:t>between conjunctions</a:t>
+            </a:r>
+            <a:r>
+              <a:rPr b="0" lang="de-DE" sz="4000" spc="-1" strike="noStrike">
+                <a:solidFill>
+                  <a:srgbClr val="000000"/>
+                </a:solidFill>
+                <a:latin typeface="Lato"/>
+                <a:ea typeface="DejaVu Sans"/>
+              </a:rPr>
+              <a:t> and </a:t>
+            </a:r>
+            <a:r>
+              <a:rPr b="1" lang="de-DE" sz="4000" spc="-1" strike="noStrike">
+                <a:solidFill>
+                  <a:srgbClr val="000000"/>
+                </a:solidFill>
+                <a:latin typeface="Lato"/>
+                <a:ea typeface="DejaVu Sans"/>
+              </a:rPr>
+              <a:t>OPTIONAL</a:t>
+            </a:r>
+            <a:r>
+              <a:rPr b="0" lang="de-DE" sz="4000" spc="-1" strike="noStrike">
+                <a:solidFill>
+                  <a:srgbClr val="000000"/>
+                </a:solidFill>
+                <a:latin typeface="Lato"/>
+                <a:ea typeface="DejaVu Sans"/>
+              </a:rPr>
+              <a:t> patterns</a:t>
             </a:r>
             <a:endParaRPr b="0" lang="de-DE" sz="4000" spc="-1" strike="noStrike">
               <a:latin typeface="Arial"/>
@@ -3041,7 +3081,17 @@
                 <a:latin typeface="Lato"/>
                 <a:ea typeface="DejaVu Sans"/>
               </a:rPr>
-              <a:t>Framework already usable vie query rewriting</a:t>
+              <a:t>Framework already usable via </a:t>
+            </a:r>
+            <a:r>
+              <a:rPr b="1" lang="de-DE" sz="4000" spc="-1" strike="noStrike">
+                <a:solidFill>
+                  <a:srgbClr val="000000"/>
+                </a:solidFill>
+                <a:latin typeface="Lato"/>
+                <a:ea typeface="DejaVu Sans"/>
+              </a:rPr>
+              <a:t>query rewriting</a:t>
             </a:r>
             <a:endParaRPr b="0" lang="de-DE" sz="4000" spc="-1" strike="noStrike">
               <a:latin typeface="Arial"/>
@@ -3059,6 +3109,16 @@
               <a:buChar char="•"/>
             </a:pPr>
             <a:r>
+              <a:rPr b="1" lang="de-DE" sz="4000" spc="-1" strike="noStrike">
+                <a:solidFill>
+                  <a:srgbClr val="000000"/>
+                </a:solidFill>
+                <a:latin typeface="Lato"/>
+                <a:ea typeface="DejaVu Sans"/>
+              </a:rPr>
+              <a:t>New operators</a:t>
+            </a:r>
+            <a:r>
               <a:rPr b="0" lang="de-DE" sz="4000" spc="-1" strike="noStrike">
                 <a:solidFill>
                   <a:srgbClr val="000000"/>
@@ -3066,7 +3126,7 @@
                 <a:latin typeface="Lato"/>
                 <a:ea typeface="DejaVu Sans"/>
               </a:rPr>
-              <a:t>New operators solve modeling problems of our framework</a:t>
+              <a:t> solve modeling problems of our framework</a:t>
             </a:r>
             <a:endParaRPr b="0" lang="de-DE" sz="4000" spc="-1" strike="noStrike">
               <a:latin typeface="Arial"/>
@@ -3084,6 +3144,16 @@
               <a:buChar char="•"/>
             </a:pPr>
             <a:r>
+              <a:rPr b="1" lang="de-DE" sz="4000" spc="-1" strike="noStrike">
+                <a:solidFill>
+                  <a:srgbClr val="000000"/>
+                </a:solidFill>
+                <a:latin typeface="Lato"/>
+                <a:ea typeface="DejaVu Sans"/>
+              </a:rPr>
+              <a:t>No</a:t>
+            </a:r>
+            <a:r>
               <a:rPr b="0" lang="de-DE" sz="4000" spc="-1" strike="noStrike">
                 <a:solidFill>
                   <a:srgbClr val="000000"/>
@@ -3091,7 +3161,27 @@
                 <a:latin typeface="Lato"/>
                 <a:ea typeface="DejaVu Sans"/>
               </a:rPr>
-              <a:t>Performance should stay the same or better</a:t>
+              <a:t> </a:t>
+            </a:r>
+            <a:r>
+              <a:rPr b="1" lang="de-DE" sz="4000" spc="-1" strike="noStrike">
+                <a:solidFill>
+                  <a:srgbClr val="000000"/>
+                </a:solidFill>
+                <a:latin typeface="Lato"/>
+                <a:ea typeface="DejaVu Sans"/>
+              </a:rPr>
+              <a:t>known performance</a:t>
+            </a:r>
+            <a:r>
+              <a:rPr b="0" lang="de-DE" sz="4000" spc="-1" strike="noStrike">
+                <a:solidFill>
+                  <a:srgbClr val="000000"/>
+                </a:solidFill>
+                <a:latin typeface="Lato"/>
+                <a:ea typeface="DejaVu Sans"/>
+              </a:rPr>
+              <a:t> impacts compared to our original framework</a:t>
             </a:r>
             <a:endParaRPr b="0" lang="de-DE" sz="4000" spc="-1" strike="noStrike">
               <a:latin typeface="Arial"/>

--- a/posters/lwda-2020.pptx
+++ b/posters/lwda-2020.pptx
@@ -239,7 +239,7 @@
           </a:bodyPr>
           <a:p>
             <a:pPr algn="r"/>
-            <a:fld id="{A0AFFF30-09B3-43B9-AB1D-365CBD9EF02E}" type="slidenum">
+            <a:fld id="{E3A33018-E1CE-4F52-83BA-66C93D6A3B4D}" type="slidenum">
               <a:rPr b="0" lang="de-DE" sz="1400" spc="-1" strike="noStrike">
                 <a:latin typeface="Times New Roman"/>
               </a:rPr>
@@ -509,7 +509,7 @@
                 <a:spcPct val="100000"/>
               </a:lnSpc>
             </a:pPr>
-            <a:fld id="{3DBDAA6E-20CB-43EF-9DF5-006537CF38A7}" type="slidenum">
+            <a:fld id="{994FCAEC-9716-4911-A2B4-B7D4B96DE771}" type="slidenum">
               <a:rPr b="0" lang="de-DE" sz="1200" spc="-1" strike="noStrike">
                 <a:latin typeface="Times New Roman"/>
               </a:rPr>
@@ -2436,7 +2436,7 @@
                 <a:srgbClr val="000000"/>
               </a:buClr>
               <a:buFont typeface="Wingdings" charset="2"/>
-              <a:buChar char=""/>
+              <a:buChar char=""/>
             </a:pPr>
             <a:r>
               <a:rPr b="1" lang="de-DE" sz="4000" spc="-1" strike="noStrike">
@@ -2511,7 +2511,7 @@
                 <a:srgbClr val="000000"/>
               </a:buClr>
               <a:buFont typeface="Wingdings" charset="2"/>
-              <a:buChar char=""/>
+              <a:buChar char=""/>
             </a:pPr>
             <a:r>
               <a:rPr b="0" lang="de-DE" sz="4000" spc="-1" strike="noStrike">
@@ -2576,7 +2576,7 @@
                 <a:srgbClr val="000000"/>
               </a:buClr>
               <a:buFont typeface="Wingdings" charset="2"/>
-              <a:buChar char=""/>
+              <a:buChar char=""/>
             </a:pPr>
             <a:r>
               <a:rPr b="0" lang="de-DE" sz="4000" spc="-1" strike="noStrike">
@@ -2621,7 +2621,7 @@
                 <a:srgbClr val="000000"/>
               </a:buClr>
               <a:buFont typeface="Wingdings" charset="2"/>
-              <a:buChar char=""/>
+              <a:buChar char=""/>
             </a:pPr>
             <a:r>
               <a:rPr b="0" lang="de-DE" sz="4000" spc="-1" strike="noStrike">
@@ -2676,7 +2676,7 @@
                 <a:srgbClr val="000000"/>
               </a:buClr>
               <a:buFont typeface="Wingdings" charset="2"/>
-              <a:buChar char=""/>
+              <a:buChar char=""/>
             </a:pPr>
             <a:r>
               <a:rPr b="0" lang="de-DE" sz="4000" spc="-1" strike="noStrike">
@@ -3005,8 +3005,8 @@
               <a:buClr>
                 <a:srgbClr val="000000"/>
               </a:buClr>
-              <a:buFont typeface="Arial"/>
-              <a:buChar char="•"/>
+              <a:buFont typeface="Wingdings" charset="2"/>
+              <a:buChar char=""/>
             </a:pPr>
             <a:r>
               <a:rPr b="0" lang="de-DE" sz="4000" spc="-1" strike="noStrike">
@@ -3070,8 +3070,8 @@
               <a:buClr>
                 <a:srgbClr val="000000"/>
               </a:buClr>
-              <a:buFont typeface="Arial"/>
-              <a:buChar char="•"/>
+              <a:buFont typeface="Wingdings" charset="2"/>
+              <a:buChar char=""/>
             </a:pPr>
             <a:r>
               <a:rPr b="0" lang="de-DE" sz="4000" spc="-1" strike="noStrike">
@@ -3081,7 +3081,7 @@
                 <a:latin typeface="Lato"/>
                 <a:ea typeface="DejaVu Sans"/>
               </a:rPr>
-              <a:t>Framework already usable via </a:t>
+              <a:t>Framework already </a:t>
             </a:r>
             <a:r>
               <a:rPr b="1" lang="de-DE" sz="4000" spc="-1" strike="noStrike">
@@ -3091,7 +3091,27 @@
                 <a:latin typeface="Lato"/>
                 <a:ea typeface="DejaVu Sans"/>
               </a:rPr>
-              <a:t>query rewriting</a:t>
+              <a:t>usable</a:t>
+            </a:r>
+            <a:r>
+              <a:rPr b="0" lang="de-DE" sz="4000" spc="-1" strike="noStrike">
+                <a:solidFill>
+                  <a:srgbClr val="000000"/>
+                </a:solidFill>
+                <a:latin typeface="Lato"/>
+                <a:ea typeface="DejaVu Sans"/>
+              </a:rPr>
+              <a:t> vie query </a:t>
+            </a:r>
+            <a:r>
+              <a:rPr b="1" lang="de-DE" sz="4000" spc="-1" strike="noStrike">
+                <a:solidFill>
+                  <a:srgbClr val="000000"/>
+                </a:solidFill>
+                <a:latin typeface="Lato"/>
+                <a:ea typeface="DejaVu Sans"/>
+              </a:rPr>
+              <a:t>rewriting</a:t>
             </a:r>
             <a:endParaRPr b="0" lang="de-DE" sz="4000" spc="-1" strike="noStrike">
               <a:latin typeface="Arial"/>
@@ -3105,8 +3125,8 @@
               <a:buClr>
                 <a:srgbClr val="000000"/>
               </a:buClr>
-              <a:buFont typeface="Arial"/>
-              <a:buChar char="•"/>
+              <a:buFont typeface="Wingdings" charset="2"/>
+              <a:buChar char=""/>
             </a:pPr>
             <a:r>
               <a:rPr b="1" lang="de-DE" sz="4000" spc="-1" strike="noStrike">
@@ -3140,8 +3160,8 @@
               <a:buClr>
                 <a:srgbClr val="000000"/>
               </a:buClr>
-              <a:buFont typeface="Arial"/>
-              <a:buChar char="•"/>
+              <a:buFont typeface="Wingdings" charset="2"/>
+              <a:buChar char=""/>
             </a:pPr>
             <a:r>
               <a:rPr b="1" lang="de-DE" sz="4000" spc="-1" strike="noStrike">
@@ -3151,7 +3171,7 @@
                 <a:latin typeface="Lato"/>
                 <a:ea typeface="DejaVu Sans"/>
               </a:rPr>
-              <a:t>No</a:t>
+              <a:t>No known performance impacts</a:t>
             </a:r>
             <a:r>
               <a:rPr b="0" lang="de-DE" sz="4000" spc="-1" strike="noStrike">
@@ -3161,27 +3181,7 @@
                 <a:latin typeface="Lato"/>
                 <a:ea typeface="DejaVu Sans"/>
               </a:rPr>
-              <a:t> </a:t>
-            </a:r>
-            <a:r>
-              <a:rPr b="1" lang="de-DE" sz="4000" spc="-1" strike="noStrike">
-                <a:solidFill>
-                  <a:srgbClr val="000000"/>
-                </a:solidFill>
-                <a:latin typeface="Lato"/>
-                <a:ea typeface="DejaVu Sans"/>
-              </a:rPr>
-              <a:t>known performance</a:t>
-            </a:r>
-            <a:r>
-              <a:rPr b="0" lang="de-DE" sz="4000" spc="-1" strike="noStrike">
-                <a:solidFill>
-                  <a:srgbClr val="000000"/>
-                </a:solidFill>
-                <a:latin typeface="Lato"/>
-                <a:ea typeface="DejaVu Sans"/>
-              </a:rPr>
-              <a:t> impacts compared to our original framework</a:t>
+              <a:t> compared to our original framework</a:t>
             </a:r>
             <a:endParaRPr b="0" lang="de-DE" sz="4000" spc="-1" strike="noStrike">
               <a:latin typeface="Arial"/>
